--- a/4402Presentation.pptx
+++ b/4402Presentation.pptx
@@ -8,8 +8,8 @@
     <p:sldId id="256" r:id="rId2"/>
     <p:sldId id="257" r:id="rId3"/>
     <p:sldId id="258" r:id="rId4"/>
-    <p:sldId id="260" r:id="rId5"/>
-    <p:sldId id="259" r:id="rId6"/>
+    <p:sldId id="259" r:id="rId5"/>
+    <p:sldId id="260" r:id="rId6"/>
   </p:sldIdLst>
   <p:sldSz cx="12192000" cy="6858000"/>
   <p:notesSz cx="6858000" cy="9144000"/>
@@ -108,6 +108,11 @@
       </a:defRPr>
     </a:lvl9pPr>
   </p:defaultTextStyle>
+  <p:extLst>
+    <p:ext uri="{EFAFB233-063F-42B5-8137-9DF3F51BA10A}">
+      <p15:sldGuideLst xmlns:p15="http://schemas.microsoft.com/office/powerpoint/2012/main"/>
+    </p:ext>
+  </p:extLst>
 </p:presentation>
 </file>
 
@@ -620,7 +625,7 @@
             <a:fld id="{E9462EF3-3C4F-43EE-ACEE-D4B806740EA3}" type="datetimeFigureOut">
               <a:rPr lang="en-US" dirty="0"/>
               <a:pPr/>
-              <a:t>3/11/2017</a:t>
+              <a:t>4/23/2017</a:t>
             </a:fld>
             <a:endParaRPr lang="en-US" dirty="0"/>
           </a:p>
@@ -1602,7 +1607,7 @@
           <a:p>
             <a:fld id="{36343B39-165A-4B68-AA5C-581F5336313C}" type="datetimeFigureOut">
               <a:rPr lang="en-US" dirty="0"/>
-              <a:t>3/11/2017</a:t>
+              <a:t>4/23/2017</a:t>
             </a:fld>
             <a:endParaRPr lang="en-US" dirty="0"/>
           </a:p>
@@ -2472,7 +2477,7 @@
           <a:p>
             <a:fld id="{942C8C57-33F9-4259-AC4F-0E3F5BEC9B94}" type="datetimeFigureOut">
               <a:rPr lang="en-US" dirty="0"/>
-              <a:t>3/11/2017</a:t>
+              <a:t>4/23/2017</a:t>
             </a:fld>
             <a:endParaRPr lang="en-US" dirty="0"/>
           </a:p>
@@ -3493,7 +3498,7 @@
           <a:p>
             <a:fld id="{8748772B-8FA2-401F-A0A1-A59855EDBC3E}" type="datetimeFigureOut">
               <a:rPr lang="en-US" dirty="0"/>
-              <a:t>3/11/2017</a:t>
+              <a:t>4/23/2017</a:t>
             </a:fld>
             <a:endParaRPr lang="en-US" dirty="0"/>
           </a:p>
@@ -4413,7 +4418,7 @@
           <a:p>
             <a:fld id="{D3DD5BDE-5A90-4611-82E9-0FC5746D30C5}" type="datetimeFigureOut">
               <a:rPr lang="en-US" dirty="0"/>
-              <a:t>3/11/2017</a:t>
+              <a:t>4/23/2017</a:t>
             </a:fld>
             <a:endParaRPr lang="en-US" dirty="0"/>
           </a:p>
@@ -5069,7 +5074,7 @@
           <a:p>
             <a:fld id="{1ADDA17D-0BEA-4E76-A7FC-F7C188BC48D1}" type="datetimeFigureOut">
               <a:rPr lang="en-US" dirty="0"/>
-              <a:t>3/11/2017</a:t>
+              <a:t>4/23/2017</a:t>
             </a:fld>
             <a:endParaRPr lang="en-US" dirty="0"/>
           </a:p>
@@ -5926,7 +5931,7 @@
           <a:p>
             <a:fld id="{6909AC7D-18CA-4236-82B9-D75EB1D66EAE}" type="datetimeFigureOut">
               <a:rPr lang="en-US" dirty="0"/>
-              <a:t>3/11/2017</a:t>
+              <a:t>4/23/2017</a:t>
             </a:fld>
             <a:endParaRPr lang="en-US" dirty="0"/>
           </a:p>
@@ -6109,7 +6114,7 @@
           <a:p>
             <a:fld id="{5568300E-C023-45CD-A0BE-EDB7A8C6EA8B}" type="datetimeFigureOut">
               <a:rPr lang="en-US" dirty="0"/>
-              <a:t>3/11/2017</a:t>
+              <a:t>4/23/2017</a:t>
             </a:fld>
             <a:endParaRPr lang="en-US" dirty="0"/>
           </a:p>
@@ -6966,7 +6971,7 @@
           <a:p>
             <a:fld id="{3B620EAD-E369-4933-8469-ED7764B56A1B}" type="datetimeFigureOut">
               <a:rPr lang="en-US" dirty="0"/>
-              <a:t>3/11/2017</a:t>
+              <a:t>4/23/2017</a:t>
             </a:fld>
             <a:endParaRPr lang="en-US" dirty="0"/>
           </a:p>
@@ -7185,7 +7190,7 @@
           <a:p>
             <a:fld id="{076C0EF2-9919-473B-8215-8616BAF10692}" type="datetimeFigureOut">
               <a:rPr lang="en-US" dirty="0"/>
-              <a:t>3/11/2017</a:t>
+              <a:t>4/23/2017</a:t>
             </a:fld>
             <a:endParaRPr lang="en-US" dirty="0"/>
           </a:p>
@@ -8110,7 +8115,7 @@
           <a:p>
             <a:fld id="{A09472EB-AC54-4713-BFC2-BEB621108C63}" type="datetimeFigureOut">
               <a:rPr lang="en-US" dirty="0"/>
-              <a:t>3/11/2017</a:t>
+              <a:t>4/23/2017</a:t>
             </a:fld>
             <a:endParaRPr lang="en-US" dirty="0"/>
           </a:p>
@@ -8394,7 +8399,7 @@
           <a:p>
             <a:fld id="{99455A0C-791E-4545-B787-F98AD45CD761}" type="datetimeFigureOut">
               <a:rPr lang="en-US" dirty="0"/>
-              <a:t>3/11/2017</a:t>
+              <a:t>4/23/2017</a:t>
             </a:fld>
             <a:endParaRPr lang="en-US" dirty="0"/>
           </a:p>
@@ -8784,7 +8789,7 @@
           <a:p>
             <a:fld id="{42536B77-F4F4-4427-AC4F-9A623798AD82}" type="datetimeFigureOut">
               <a:rPr lang="en-US" dirty="0"/>
-              <a:t>3/11/2017</a:t>
+              <a:t>4/23/2017</a:t>
             </a:fld>
             <a:endParaRPr lang="en-US" dirty="0"/>
           </a:p>
@@ -8910,7 +8915,7 @@
           <a:p>
             <a:fld id="{D8BE790C-34EB-4565-8437-CACF4CDB7822}" type="datetimeFigureOut">
               <a:rPr lang="en-US" dirty="0"/>
-              <a:t>3/11/2017</a:t>
+              <a:t>4/23/2017</a:t>
             </a:fld>
             <a:endParaRPr lang="en-US" dirty="0"/>
           </a:p>
@@ -9005,7 +9010,7 @@
           <a:p>
             <a:fld id="{F84A4C11-22B8-4A4E-8126-B3AF6B948A8E}" type="datetimeFigureOut">
               <a:rPr lang="en-US" dirty="0"/>
-              <a:t>3/11/2017</a:t>
+              <a:t>4/23/2017</a:t>
             </a:fld>
             <a:endParaRPr lang="en-US" dirty="0"/>
           </a:p>
@@ -9976,7 +9981,7 @@
           <a:p>
             <a:fld id="{16ED06B6-C816-4861-964D-15A98395707D}" type="datetimeFigureOut">
               <a:rPr lang="en-US" dirty="0"/>
-              <a:t>3/11/2017</a:t>
+              <a:t>4/23/2017</a:t>
             </a:fld>
             <a:endParaRPr lang="en-US" dirty="0"/>
           </a:p>
@@ -10971,7 +10976,7 @@
           <a:p>
             <a:fld id="{00B1A8AB-EA7C-4B1B-9D73-E2551851FABE}" type="datetimeFigureOut">
               <a:rPr lang="en-US" dirty="0"/>
-              <a:t>3/11/2017</a:t>
+              <a:t>4/23/2017</a:t>
             </a:fld>
             <a:endParaRPr lang="en-US" dirty="0"/>
           </a:p>
@@ -11855,7 +11860,7 @@
           <a:p>
             <a:fld id="{90786BE5-D2A3-4BF0-8B30-D7403E61B3DC}" type="datetimeFigureOut">
               <a:rPr lang="en-US" dirty="0"/>
-              <a:t>3/11/2017</a:t>
+              <a:t>4/23/2017</a:t>
             </a:fld>
             <a:endParaRPr lang="en-US" dirty="0"/>
           </a:p>
@@ -12430,7 +12435,11 @@
           <a:bodyPr/>
           <a:lstStyle/>
           <a:p>
-            <a:endParaRPr lang="en-US" dirty="0"/>
+            <a:r>
+              <a:rPr lang="en-US" sz="6000" dirty="0" smtClean="0"/>
+              <a:t>Hermes</a:t>
+            </a:r>
+            <a:endParaRPr lang="en-US" sz="6000" dirty="0"/>
           </a:p>
         </p:txBody>
       </p:sp>
@@ -12542,25 +12551,25 @@
           <a:lstStyle/>
           <a:p>
             <a:r>
-              <a:rPr lang="en-US" dirty="0" smtClean="0"/>
-              <a:t>Create a database to hold information for a Sorority or Fraternity organization.</a:t>
+              <a:rPr lang="en-US" sz="2400" dirty="0" smtClean="0"/>
+              <a:t>Create a database to hold information for a Sorority organization.</a:t>
             </a:r>
           </a:p>
           <a:p>
             <a:r>
-              <a:rPr lang="en-US" dirty="0" smtClean="0"/>
+              <a:rPr lang="en-US" sz="2400" dirty="0" smtClean="0"/>
               <a:t>Project will focus on information retrieval for the users, implying the use of a view-level implementation.</a:t>
             </a:r>
           </a:p>
           <a:p>
             <a:r>
-              <a:rPr lang="en-US" dirty="0" smtClean="0"/>
+              <a:rPr lang="en-US" sz="2400" dirty="0" smtClean="0"/>
               <a:t>The tables will need to hold member’s information, and will also need to keep alumni members in a table.</a:t>
             </a:r>
           </a:p>
           <a:p>
             <a:r>
-              <a:rPr lang="en-US" dirty="0" smtClean="0"/>
+              <a:rPr lang="en-US" sz="2400" dirty="0" smtClean="0"/>
               <a:t>An aggregate table to hold the relationship between new members and mentor members.</a:t>
             </a:r>
           </a:p>
@@ -12634,10 +12643,22 @@
         </p:nvSpPr>
         <p:spPr/>
         <p:txBody>
-          <a:bodyPr/>
+          <a:bodyPr>
+            <a:normAutofit/>
+          </a:bodyPr>
           <a:lstStyle/>
           <a:p>
-            <a:endParaRPr lang="en-US"/>
+            <a:r>
+              <a:rPr lang="en-US" sz="2800" dirty="0" smtClean="0"/>
+              <a:t>Three tables created: Applicants, Members, and Alumni</a:t>
+            </a:r>
+          </a:p>
+          <a:p>
+            <a:r>
+              <a:rPr lang="en-US" sz="2800" dirty="0" smtClean="0"/>
+              <a:t>Fourth table created as a permanent aggregate table from Members table to store mentor – to – protégé relationship</a:t>
+            </a:r>
+            <a:endParaRPr lang="en-US" sz="2800" dirty="0"/>
           </a:p>
         </p:txBody>
       </p:sp>
@@ -12688,7 +12709,7 @@
           <a:p>
             <a:r>
               <a:rPr lang="en-US" dirty="0" smtClean="0"/>
-              <a:t>Querying Logic</a:t>
+              <a:t>Webpage Design</a:t>
             </a:r>
             <a:endParaRPr lang="en-US" dirty="0"/>
           </a:p>
@@ -12709,14 +12730,32 @@
           <a:bodyPr/>
           <a:lstStyle/>
           <a:p>
-            <a:endParaRPr lang="en-US"/>
+            <a:r>
+              <a:rPr lang="en-US" sz="2800" dirty="0" smtClean="0"/>
+              <a:t>Naïve users interface supporting simple queries of the database</a:t>
+            </a:r>
+          </a:p>
+          <a:p>
+            <a:r>
+              <a:rPr lang="en-US" sz="2800" dirty="0" smtClean="0"/>
+              <a:t>Utilizes Amazon EC2 instance for Apache, Tomcat, and MySQL</a:t>
+            </a:r>
+          </a:p>
+          <a:p>
+            <a:r>
+              <a:rPr lang="en-US" sz="2800" dirty="0" smtClean="0"/>
+              <a:t>Webpage Demonstration</a:t>
+            </a:r>
+          </a:p>
+          <a:p>
+            <a:endParaRPr lang="en-US" dirty="0"/>
           </a:p>
         </p:txBody>
       </p:sp>
     </p:spTree>
     <p:extLst>
       <p:ext uri="{BB962C8B-B14F-4D97-AF65-F5344CB8AC3E}">
-        <p14:creationId xmlns:p14="http://schemas.microsoft.com/office/powerpoint/2010/main" val="3051914837"/>
+        <p14:creationId xmlns:p14="http://schemas.microsoft.com/office/powerpoint/2010/main" val="1728847259"/>
       </p:ext>
     </p:extLst>
   </p:cSld>
@@ -12760,7 +12799,7 @@
           <a:p>
             <a:r>
               <a:rPr lang="en-US" dirty="0" smtClean="0"/>
-              <a:t>Webpage Design</a:t>
+              <a:t>Querying Logic</a:t>
             </a:r>
             <a:endParaRPr lang="en-US" dirty="0"/>
           </a:p>
@@ -12778,17 +12817,35 @@
         </p:nvSpPr>
         <p:spPr/>
         <p:txBody>
-          <a:bodyPr/>
+          <a:bodyPr>
+            <a:normAutofit/>
+          </a:bodyPr>
           <a:lstStyle/>
           <a:p>
-            <a:endParaRPr lang="en-US"/>
+            <a:r>
+              <a:rPr lang="en-US" sz="2800" dirty="0" smtClean="0"/>
+              <a:t>Created several queries based upon probable Database Administrator duties</a:t>
+            </a:r>
+          </a:p>
+          <a:p>
+            <a:r>
+              <a:rPr lang="en-US" sz="2800" dirty="0" smtClean="0"/>
+              <a:t>Used queries to move data from tables into other tables</a:t>
+            </a:r>
+          </a:p>
+          <a:p>
+            <a:r>
+              <a:rPr lang="en-US" sz="2800" dirty="0" smtClean="0"/>
+              <a:t>Database Query Demonstration</a:t>
+            </a:r>
+            <a:endParaRPr lang="en-US" sz="2800" dirty="0"/>
           </a:p>
         </p:txBody>
       </p:sp>
     </p:spTree>
     <p:extLst>
       <p:ext uri="{BB962C8B-B14F-4D97-AF65-F5344CB8AC3E}">
-        <p14:creationId xmlns:p14="http://schemas.microsoft.com/office/powerpoint/2010/main" val="1728847259"/>
+        <p14:creationId xmlns:p14="http://schemas.microsoft.com/office/powerpoint/2010/main" val="3051914837"/>
       </p:ext>
     </p:extLst>
   </p:cSld>
